--- a/Presentations/Keysani_Sunum_Winding_Design_2023_10_03.pptx
+++ b/Presentations/Keysani_Sunum_Winding_Design_2023_10_03.pptx
@@ -5,18 +5,20 @@
     <p:sldMasterId id="2147483886" r:id="rId1"/>
   </p:sldMasterIdLst>
   <p:notesMasterIdLst>
-    <p:notesMasterId r:id="rId8"/>
+    <p:notesMasterId r:id="rId10"/>
   </p:notesMasterIdLst>
   <p:handoutMasterIdLst>
-    <p:handoutMasterId r:id="rId9"/>
+    <p:handoutMasterId r:id="rId11"/>
   </p:handoutMasterIdLst>
   <p:sldIdLst>
     <p:sldId id="299" r:id="rId2"/>
     <p:sldId id="300" r:id="rId3"/>
     <p:sldId id="301" r:id="rId4"/>
-    <p:sldId id="318" r:id="rId5"/>
-    <p:sldId id="317" r:id="rId6"/>
-    <p:sldId id="303" r:id="rId7"/>
+    <p:sldId id="319" r:id="rId5"/>
+    <p:sldId id="320" r:id="rId6"/>
+    <p:sldId id="318" r:id="rId7"/>
+    <p:sldId id="317" r:id="rId8"/>
+    <p:sldId id="303" r:id="rId9"/>
   </p:sldIdLst>
   <p:sldSz cx="9144000" cy="6858000" type="screen4x3"/>
   <p:notesSz cx="6858000" cy="9144000"/>
@@ -271,7 +273,7 @@
               <a:pPr>
                 <a:defRPr/>
               </a:pPr>
-              <a:t>9/19/2023</a:t>
+              <a:t>9/20/2023</a:t>
             </a:fld>
             <a:endParaRPr lang="en-US"/>
           </a:p>
@@ -485,7 +487,7 @@
               <a:pPr>
                 <a:defRPr/>
               </a:pPr>
-              <a:t>9/19/2023</a:t>
+              <a:t>9/20/2023</a:t>
             </a:fld>
             <a:endParaRPr lang="en-US"/>
           </a:p>
@@ -1061,6 +1063,96 @@
     <p:extLst>
       <p:ext uri="{BB962C8B-B14F-4D97-AF65-F5344CB8AC3E}">
         <p14:creationId xmlns:p14="http://schemas.microsoft.com/office/powerpoint/2010/main" val="1831345199"/>
+      </p:ext>
+    </p:extLst>
+  </p:cSld>
+  <p:clrMapOvr>
+    <a:masterClrMapping/>
+  </p:clrMapOvr>
+</p:notes>
+</file>
+
+<file path=ppt/notesSlides/notesSlide2.xml><?xml version="1.0" encoding="utf-8"?>
+<p:notes xmlns:a="http://schemas.openxmlformats.org/drawingml/2006/main" xmlns:r="http://schemas.openxmlformats.org/officeDocument/2006/relationships" xmlns:p="http://schemas.openxmlformats.org/presentationml/2006/main">
+  <p:cSld>
+    <p:spTree>
+      <p:nvGrpSpPr>
+        <p:cNvPr id="1" name=""/>
+        <p:cNvGrpSpPr/>
+        <p:nvPr/>
+      </p:nvGrpSpPr>
+      <p:grpSpPr>
+        <a:xfrm>
+          <a:off x="0" y="0"/>
+          <a:ext cx="0" cy="0"/>
+          <a:chOff x="0" y="0"/>
+          <a:chExt cx="0" cy="0"/>
+        </a:xfrm>
+      </p:grpSpPr>
+      <p:sp>
+        <p:nvSpPr>
+          <p:cNvPr id="2" name="Slide Image Placeholder 1"/>
+          <p:cNvSpPr>
+            <a:spLocks noGrp="1" noRot="1" noChangeAspect="1"/>
+          </p:cNvSpPr>
+          <p:nvPr>
+            <p:ph type="sldImg"/>
+          </p:nvPr>
+        </p:nvSpPr>
+        <p:spPr/>
+      </p:sp>
+      <p:sp>
+        <p:nvSpPr>
+          <p:cNvPr id="3" name="Notes Placeholder 2"/>
+          <p:cNvSpPr>
+            <a:spLocks noGrp="1"/>
+          </p:cNvSpPr>
+          <p:nvPr>
+            <p:ph type="body" idx="1"/>
+          </p:nvPr>
+        </p:nvSpPr>
+        <p:spPr/>
+        <p:txBody>
+          <a:bodyPr/>
+          <a:lstStyle/>
+          <a:p>
+            <a:endParaRPr lang="en-US" dirty="0"/>
+          </a:p>
+        </p:txBody>
+      </p:sp>
+      <p:sp>
+        <p:nvSpPr>
+          <p:cNvPr id="4" name="Slide Number Placeholder 3"/>
+          <p:cNvSpPr>
+            <a:spLocks noGrp="1"/>
+          </p:cNvSpPr>
+          <p:nvPr>
+            <p:ph type="sldNum" sz="quarter" idx="5"/>
+          </p:nvPr>
+        </p:nvSpPr>
+        <p:spPr/>
+        <p:txBody>
+          <a:bodyPr/>
+          <a:lstStyle/>
+          <a:p>
+            <a:pPr>
+              <a:defRPr/>
+            </a:pPr>
+            <a:fld id="{303AAD37-8495-4358-975D-7F228E51A688}" type="slidenum">
+              <a:rPr lang="en-US" smtClean="0"/>
+              <a:pPr>
+                <a:defRPr/>
+              </a:pPr>
+              <a:t>4</a:t>
+            </a:fld>
+            <a:endParaRPr lang="en-US"/>
+          </a:p>
+        </p:txBody>
+      </p:sp>
+    </p:spTree>
+    <p:extLst>
+      <p:ext uri="{BB962C8B-B14F-4D97-AF65-F5344CB8AC3E}">
+        <p14:creationId xmlns:p14="http://schemas.microsoft.com/office/powerpoint/2010/main" val="2510213464"/>
       </p:ext>
     </p:extLst>
   </p:cSld>
@@ -4552,16 +4644,10 @@
           <a:p>
             <a:pPr algn="ctr"/>
             <a:r>
-              <a:rPr lang="tr-TR" sz="2400" b="1" dirty="0" err="1">
-                <a:latin typeface="Century Gothic" panose="020B0502020202020204" pitchFamily="34" charset="0"/>
-              </a:rPr>
-              <a:t>Basis</a:t>
-            </a:r>
-            <a:r>
               <a:rPr lang="tr-TR" sz="2400" b="1" dirty="0">
                 <a:latin typeface="Century Gothic" panose="020B0502020202020204" pitchFamily="34" charset="0"/>
               </a:rPr>
-              <a:t> of Advanced Design </a:t>
+              <a:t>Advanced Design </a:t>
             </a:r>
             <a:r>
               <a:rPr lang="tr-TR" sz="2400" b="1" dirty="0" err="1">
@@ -4815,7 +4901,7 @@
               <a:rPr lang="tr-TR" sz="2400" dirty="0" err="1"/>
               <a:t>Algorithm</a:t>
             </a:r>
-            <a:endParaRPr lang="tr-TR" sz="2400" dirty="0"/>
+            <a:endParaRPr lang="tr-TR" sz="2200" dirty="0"/>
           </a:p>
           <a:p>
             <a:pPr marL="982663" lvl="1" indent="-342900">
@@ -4825,6 +4911,17 @@
             <a:r>
               <a:rPr lang="tr-TR" sz="2200" dirty="0" err="1"/>
               <a:t>Variables</a:t>
+            </a:r>
+            <a:endParaRPr lang="tr-TR" sz="2200" dirty="0"/>
+          </a:p>
+          <a:p>
+            <a:pPr marL="982663" lvl="1" indent="-342900">
+              <a:buFont typeface="Wingdings" panose="05000000000000000000" pitchFamily="2" charset="2"/>
+              <a:buChar char="Ø"/>
+            </a:pPr>
+            <a:r>
+              <a:rPr lang="tr-TR" sz="2200" dirty="0" err="1"/>
+              <a:t>Constraints</a:t>
             </a:r>
             <a:endParaRPr lang="tr-TR" sz="2200" dirty="0"/>
           </a:p>
@@ -4970,6 +5067,1119 @@
 </file>
 
 <file path=ppt/slides/slide4.xml><?xml version="1.0" encoding="utf-8"?>
+<p:sld xmlns:a="http://schemas.openxmlformats.org/drawingml/2006/main" xmlns:r="http://schemas.openxmlformats.org/officeDocument/2006/relationships" xmlns:p="http://schemas.openxmlformats.org/presentationml/2006/main">
+  <p:cSld>
+    <p:spTree>
+      <p:nvGrpSpPr>
+        <p:cNvPr id="1" name=""/>
+        <p:cNvGrpSpPr/>
+        <p:nvPr/>
+      </p:nvGrpSpPr>
+      <p:grpSpPr>
+        <a:xfrm>
+          <a:off x="0" y="0"/>
+          <a:ext cx="0" cy="0"/>
+          <a:chOff x="0" y="0"/>
+          <a:chExt cx="0" cy="0"/>
+        </a:xfrm>
+      </p:grpSpPr>
+      <p:sp>
+        <p:nvSpPr>
+          <p:cNvPr id="2" name="Title 1">
+            <a:extLst>
+              <a:ext uri="{FF2B5EF4-FFF2-40B4-BE49-F238E27FC236}">
+                <a16:creationId xmlns:a16="http://schemas.microsoft.com/office/drawing/2014/main" id="{8D7B44CE-8C23-46F7-BFAE-5E38C6A6DD3C}"/>
+              </a:ext>
+            </a:extLst>
+          </p:cNvPr>
+          <p:cNvSpPr>
+            <a:spLocks noGrp="1"/>
+          </p:cNvSpPr>
+          <p:nvPr>
+            <p:ph type="title"/>
+          </p:nvPr>
+        </p:nvSpPr>
+        <p:spPr/>
+        <p:txBody>
+          <a:bodyPr/>
+          <a:lstStyle/>
+          <a:p>
+            <a:r>
+              <a:rPr lang="tr-TR" dirty="0"/>
+              <a:t>Interactive Link </a:t>
+            </a:r>
+            <a:r>
+              <a:rPr lang="tr-TR" dirty="0" err="1"/>
+              <a:t>Between</a:t>
+            </a:r>
+            <a:r>
+              <a:rPr lang="tr-TR" dirty="0"/>
+              <a:t> MATLAB/ANSYS</a:t>
+            </a:r>
+            <a:endParaRPr lang="en-US" dirty="0"/>
+          </a:p>
+        </p:txBody>
+      </p:sp>
+      <p:sp>
+        <p:nvSpPr>
+          <p:cNvPr id="3" name="Content Placeholder 2">
+            <a:extLst>
+              <a:ext uri="{FF2B5EF4-FFF2-40B4-BE49-F238E27FC236}">
+                <a16:creationId xmlns:a16="http://schemas.microsoft.com/office/drawing/2014/main" id="{27462E42-1E09-4360-A356-183753E37584}"/>
+              </a:ext>
+            </a:extLst>
+          </p:cNvPr>
+          <p:cNvSpPr>
+            <a:spLocks noGrp="1"/>
+          </p:cNvSpPr>
+          <p:nvPr>
+            <p:ph idx="1"/>
+          </p:nvPr>
+        </p:nvSpPr>
+        <p:spPr>
+          <a:xfrm>
+            <a:off x="457200" y="1430338"/>
+            <a:ext cx="4794299" cy="4987925"/>
+          </a:xfrm>
+        </p:spPr>
+        <p:txBody>
+          <a:bodyPr/>
+          <a:lstStyle/>
+          <a:p>
+            <a:pPr marL="342900" indent="-342900">
+              <a:buFont typeface="Wingdings" panose="05000000000000000000" pitchFamily="2" charset="2"/>
+              <a:buChar char="Ø"/>
+            </a:pPr>
+            <a:endParaRPr lang="tr-TR" dirty="0"/>
+          </a:p>
+          <a:p>
+            <a:pPr marL="342900" indent="-342900">
+              <a:buFont typeface="Wingdings" panose="05000000000000000000" pitchFamily="2" charset="2"/>
+              <a:buChar char="Ø"/>
+            </a:pPr>
+            <a:r>
+              <a:rPr lang="tr-TR" dirty="0"/>
+              <a:t>No </a:t>
+            </a:r>
+            <a:r>
+              <a:rPr lang="tr-TR" dirty="0" err="1"/>
+              <a:t>direct</a:t>
+            </a:r>
+            <a:r>
+              <a:rPr lang="tr-TR" dirty="0"/>
+              <a:t> </a:t>
+            </a:r>
+            <a:r>
+              <a:rPr lang="tr-TR" dirty="0" err="1"/>
+              <a:t>connection</a:t>
+            </a:r>
+            <a:r>
+              <a:rPr lang="tr-TR" dirty="0"/>
+              <a:t> </a:t>
+            </a:r>
+            <a:r>
+              <a:rPr lang="tr-TR" dirty="0" err="1"/>
+              <a:t>between</a:t>
+            </a:r>
+            <a:r>
+              <a:rPr lang="tr-TR" dirty="0"/>
+              <a:t> MATLAB </a:t>
+            </a:r>
+            <a:r>
+              <a:rPr lang="tr-TR" dirty="0" err="1"/>
+              <a:t>and</a:t>
+            </a:r>
+            <a:r>
+              <a:rPr lang="tr-TR" dirty="0"/>
+              <a:t> ANSYS</a:t>
+            </a:r>
+          </a:p>
+          <a:p>
+            <a:pPr marL="982663" lvl="1" indent="-342900">
+              <a:buFont typeface="Wingdings" panose="05000000000000000000" pitchFamily="2" charset="2"/>
+              <a:buChar char="Ø"/>
+            </a:pPr>
+            <a:r>
+              <a:rPr lang="tr-TR" dirty="0"/>
+              <a:t>VBS is </a:t>
+            </a:r>
+            <a:r>
+              <a:rPr lang="tr-TR" dirty="0" err="1"/>
+              <a:t>used</a:t>
+            </a:r>
+            <a:r>
+              <a:rPr lang="tr-TR" dirty="0"/>
+              <a:t> as </a:t>
+            </a:r>
+            <a:r>
+              <a:rPr lang="tr-TR" dirty="0" err="1"/>
+              <a:t>medium</a:t>
+            </a:r>
+            <a:endParaRPr lang="tr-TR" dirty="0"/>
+          </a:p>
+          <a:p>
+            <a:pPr lvl="1" indent="0">
+              <a:buNone/>
+            </a:pPr>
+            <a:endParaRPr lang="tr-TR" dirty="0"/>
+          </a:p>
+          <a:p>
+            <a:pPr marL="342900" indent="-342900">
+              <a:buFont typeface="Wingdings" panose="05000000000000000000" pitchFamily="2" charset="2"/>
+              <a:buChar char="Ø"/>
+            </a:pPr>
+            <a:r>
+              <a:rPr lang="tr-TR" dirty="0"/>
+              <a:t>MATLAB </a:t>
+            </a:r>
+            <a:r>
+              <a:rPr lang="tr-TR" dirty="0" err="1"/>
+              <a:t>runs</a:t>
+            </a:r>
+            <a:r>
+              <a:rPr lang="tr-TR" dirty="0"/>
+              <a:t> main </a:t>
+            </a:r>
+            <a:r>
+              <a:rPr lang="tr-TR" dirty="0" err="1"/>
+              <a:t>algorithm</a:t>
+            </a:r>
+            <a:endParaRPr lang="tr-TR" dirty="0"/>
+          </a:p>
+          <a:p>
+            <a:pPr marL="982663" lvl="1" indent="-342900">
+              <a:buFont typeface="Wingdings" panose="05000000000000000000" pitchFamily="2" charset="2"/>
+              <a:buChar char="Ø"/>
+            </a:pPr>
+            <a:r>
+              <a:rPr lang="tr-TR" dirty="0" err="1"/>
+              <a:t>Individuals</a:t>
+            </a:r>
+            <a:r>
+              <a:rPr lang="tr-TR" dirty="0"/>
+              <a:t> </a:t>
+            </a:r>
+            <a:r>
+              <a:rPr lang="tr-TR" dirty="0" err="1"/>
+              <a:t>are</a:t>
+            </a:r>
+            <a:r>
+              <a:rPr lang="tr-TR" dirty="0"/>
+              <a:t> </a:t>
+            </a:r>
+            <a:r>
+              <a:rPr lang="tr-TR" dirty="0" err="1"/>
+              <a:t>written</a:t>
+            </a:r>
+            <a:r>
+              <a:rPr lang="tr-TR" dirty="0"/>
+              <a:t> in VBS</a:t>
+            </a:r>
+          </a:p>
+          <a:p>
+            <a:pPr marL="342900" indent="-342900">
+              <a:buFont typeface="Wingdings" panose="05000000000000000000" pitchFamily="2" charset="2"/>
+              <a:buChar char="Ø"/>
+            </a:pPr>
+            <a:endParaRPr lang="tr-TR" dirty="0"/>
+          </a:p>
+          <a:p>
+            <a:pPr marL="342900" indent="-342900">
+              <a:buFont typeface="Wingdings" panose="05000000000000000000" pitchFamily="2" charset="2"/>
+              <a:buChar char="Ø"/>
+            </a:pPr>
+            <a:r>
+              <a:rPr lang="tr-TR" dirty="0"/>
+              <a:t>VBS </a:t>
+            </a:r>
+            <a:r>
+              <a:rPr lang="tr-TR" dirty="0" err="1"/>
+              <a:t>runs</a:t>
+            </a:r>
+            <a:r>
+              <a:rPr lang="tr-TR" dirty="0"/>
+              <a:t> ANSYS</a:t>
+            </a:r>
+          </a:p>
+          <a:p>
+            <a:pPr marL="982663" lvl="1" indent="-342900">
+              <a:buFont typeface="Wingdings" panose="05000000000000000000" pitchFamily="2" charset="2"/>
+              <a:buChar char="Ø"/>
+            </a:pPr>
+            <a:r>
+              <a:rPr lang="tr-TR" dirty="0" err="1"/>
+              <a:t>Simulation</a:t>
+            </a:r>
+            <a:r>
+              <a:rPr lang="tr-TR" dirty="0"/>
+              <a:t> </a:t>
+            </a:r>
+            <a:r>
+              <a:rPr lang="tr-TR" dirty="0" err="1"/>
+              <a:t>results</a:t>
+            </a:r>
+            <a:r>
+              <a:rPr lang="tr-TR" dirty="0"/>
+              <a:t> </a:t>
+            </a:r>
+            <a:r>
+              <a:rPr lang="tr-TR" dirty="0" err="1"/>
+              <a:t>are</a:t>
+            </a:r>
+            <a:r>
+              <a:rPr lang="tr-TR" dirty="0"/>
+              <a:t> </a:t>
+            </a:r>
+            <a:r>
+              <a:rPr lang="tr-TR" dirty="0" err="1"/>
+              <a:t>obtained</a:t>
+            </a:r>
+            <a:endParaRPr lang="tr-TR" dirty="0"/>
+          </a:p>
+          <a:p>
+            <a:pPr marL="982663" lvl="1" indent="-342900">
+              <a:buFont typeface="Wingdings" panose="05000000000000000000" pitchFamily="2" charset="2"/>
+              <a:buChar char="Ø"/>
+            </a:pPr>
+            <a:endParaRPr lang="tr-TR" dirty="0"/>
+          </a:p>
+          <a:p>
+            <a:pPr marL="342900" indent="-342900">
+              <a:buFont typeface="Wingdings" panose="05000000000000000000" pitchFamily="2" charset="2"/>
+              <a:buChar char="Ø"/>
+            </a:pPr>
+            <a:r>
+              <a:rPr lang="tr-TR" dirty="0" err="1"/>
+              <a:t>Postprocessing</a:t>
+            </a:r>
+            <a:r>
+              <a:rPr lang="tr-TR" dirty="0"/>
+              <a:t> is </a:t>
+            </a:r>
+            <a:r>
+              <a:rPr lang="tr-TR" dirty="0" err="1"/>
+              <a:t>conducted</a:t>
+            </a:r>
+            <a:r>
+              <a:rPr lang="tr-TR" dirty="0"/>
+              <a:t> in MATLAB</a:t>
+            </a:r>
+          </a:p>
+          <a:p>
+            <a:pPr marL="342900" indent="-342900">
+              <a:buFont typeface="Wingdings" panose="05000000000000000000" pitchFamily="2" charset="2"/>
+              <a:buChar char="Ø"/>
+            </a:pPr>
+            <a:endParaRPr lang="tr-TR" dirty="0"/>
+          </a:p>
+        </p:txBody>
+      </p:sp>
+      <p:sp>
+        <p:nvSpPr>
+          <p:cNvPr id="4" name="Slide Number Placeholder 3">
+            <a:extLst>
+              <a:ext uri="{FF2B5EF4-FFF2-40B4-BE49-F238E27FC236}">
+                <a16:creationId xmlns:a16="http://schemas.microsoft.com/office/drawing/2014/main" id="{F07556DD-E549-4CFE-A1A1-5A55A7C4221F}"/>
+              </a:ext>
+            </a:extLst>
+          </p:cNvPr>
+          <p:cNvSpPr>
+            <a:spLocks noGrp="1"/>
+          </p:cNvSpPr>
+          <p:nvPr>
+            <p:ph type="sldNum" sz="quarter" idx="12"/>
+          </p:nvPr>
+        </p:nvSpPr>
+        <p:spPr/>
+        <p:txBody>
+          <a:bodyPr/>
+          <a:lstStyle/>
+          <a:p>
+            <a:pPr>
+              <a:defRPr/>
+            </a:pPr>
+            <a:fld id="{C878F797-6006-4DDA-AFE9-456F280FE6C5}" type="slidenum">
+              <a:rPr lang="en-US" smtClean="0"/>
+              <a:pPr>
+                <a:defRPr/>
+              </a:pPr>
+              <a:t>4</a:t>
+            </a:fld>
+            <a:endParaRPr lang="en-US" dirty="0"/>
+          </a:p>
+        </p:txBody>
+      </p:sp>
+      <p:sp>
+        <p:nvSpPr>
+          <p:cNvPr id="5" name="Date Placeholder 4">
+            <a:extLst>
+              <a:ext uri="{FF2B5EF4-FFF2-40B4-BE49-F238E27FC236}">
+                <a16:creationId xmlns:a16="http://schemas.microsoft.com/office/drawing/2014/main" id="{DCCF9580-AFD1-4A31-BFDB-B293089C2D6C}"/>
+              </a:ext>
+            </a:extLst>
+          </p:cNvPr>
+          <p:cNvSpPr>
+            <a:spLocks noGrp="1"/>
+          </p:cNvSpPr>
+          <p:nvPr>
+            <p:ph type="dt" sz="half" idx="2"/>
+          </p:nvPr>
+        </p:nvSpPr>
+        <p:spPr/>
+        <p:txBody>
+          <a:bodyPr/>
+          <a:lstStyle/>
+          <a:p>
+            <a:pPr>
+              <a:defRPr/>
+            </a:pPr>
+            <a:r>
+              <a:rPr lang="tr-TR"/>
+              <a:t>METU Electrical &amp; Electronics Engineering Department</a:t>
+            </a:r>
+            <a:endParaRPr lang="en-US" dirty="0"/>
+          </a:p>
+        </p:txBody>
+      </p:sp>
+      <p:sp>
+        <p:nvSpPr>
+          <p:cNvPr id="6" name="Rectangle 5">
+            <a:extLst>
+              <a:ext uri="{FF2B5EF4-FFF2-40B4-BE49-F238E27FC236}">
+                <a16:creationId xmlns:a16="http://schemas.microsoft.com/office/drawing/2014/main" id="{C20442A0-3BEF-49EF-8D90-B1457201A0B9}"/>
+              </a:ext>
+            </a:extLst>
+          </p:cNvPr>
+          <p:cNvSpPr/>
+          <p:nvPr/>
+        </p:nvSpPr>
+        <p:spPr>
+          <a:xfrm>
+            <a:off x="7030065" y="2434355"/>
+            <a:ext cx="1632154" cy="720446"/>
+          </a:xfrm>
+          <a:prstGeom prst="rect">
+            <a:avLst/>
+          </a:prstGeom>
+          <a:blipFill dpi="0" rotWithShape="1">
+            <a:blip r:embed="rId3">
+              <a:extLst>
+                <a:ext uri="{28A0092B-C50C-407E-A947-70E740481C1C}">
+                  <a14:useLocalDpi xmlns:a14="http://schemas.microsoft.com/office/drawing/2010/main" val="0"/>
+                </a:ext>
+              </a:extLst>
+            </a:blip>
+            <a:srcRect/>
+            <a:stretch>
+              <a:fillRect/>
+            </a:stretch>
+          </a:blipFill>
+        </p:spPr>
+        <p:style>
+          <a:lnRef idx="2">
+            <a:schemeClr val="dk1"/>
+          </a:lnRef>
+          <a:fillRef idx="1">
+            <a:schemeClr val="lt1"/>
+          </a:fillRef>
+          <a:effectRef idx="0">
+            <a:schemeClr val="dk1"/>
+          </a:effectRef>
+          <a:fontRef idx="minor">
+            <a:schemeClr val="dk1"/>
+          </a:fontRef>
+        </p:style>
+        <p:txBody>
+          <a:bodyPr rtlCol="0" anchor="ctr"/>
+          <a:lstStyle/>
+          <a:p>
+            <a:pPr algn="ctr"/>
+            <a:endParaRPr lang="en-US"/>
+          </a:p>
+        </p:txBody>
+      </p:sp>
+      <p:sp>
+        <p:nvSpPr>
+          <p:cNvPr id="8" name="Rectangle 7">
+            <a:extLst>
+              <a:ext uri="{FF2B5EF4-FFF2-40B4-BE49-F238E27FC236}">
+                <a16:creationId xmlns:a16="http://schemas.microsoft.com/office/drawing/2014/main" id="{225E5D4F-7852-4AC2-8244-6E2C1902FBF4}"/>
+              </a:ext>
+            </a:extLst>
+          </p:cNvPr>
+          <p:cNvSpPr/>
+          <p:nvPr/>
+        </p:nvSpPr>
+        <p:spPr>
+          <a:xfrm>
+            <a:off x="7030065" y="3828273"/>
+            <a:ext cx="1632154" cy="661090"/>
+          </a:xfrm>
+          <a:prstGeom prst="rect">
+            <a:avLst/>
+          </a:prstGeom>
+          <a:blipFill dpi="0" rotWithShape="1">
+            <a:blip r:embed="rId4">
+              <a:extLst>
+                <a:ext uri="{28A0092B-C50C-407E-A947-70E740481C1C}">
+                  <a14:useLocalDpi xmlns:a14="http://schemas.microsoft.com/office/drawing/2010/main" val="0"/>
+                </a:ext>
+              </a:extLst>
+            </a:blip>
+            <a:srcRect/>
+            <a:stretch>
+              <a:fillRect/>
+            </a:stretch>
+          </a:blipFill>
+        </p:spPr>
+        <p:style>
+          <a:lnRef idx="2">
+            <a:schemeClr val="dk1"/>
+          </a:lnRef>
+          <a:fillRef idx="1">
+            <a:schemeClr val="lt1"/>
+          </a:fillRef>
+          <a:effectRef idx="0">
+            <a:schemeClr val="dk1"/>
+          </a:effectRef>
+          <a:fontRef idx="minor">
+            <a:schemeClr val="dk1"/>
+          </a:fontRef>
+        </p:style>
+        <p:txBody>
+          <a:bodyPr rtlCol="0" anchor="ctr"/>
+          <a:lstStyle/>
+          <a:p>
+            <a:pPr algn="ctr"/>
+            <a:endParaRPr lang="en-US"/>
+          </a:p>
+        </p:txBody>
+      </p:sp>
+      <p:sp>
+        <p:nvSpPr>
+          <p:cNvPr id="10" name="Rectangle 9">
+            <a:extLst>
+              <a:ext uri="{FF2B5EF4-FFF2-40B4-BE49-F238E27FC236}">
+                <a16:creationId xmlns:a16="http://schemas.microsoft.com/office/drawing/2014/main" id="{05CAA2BC-C4BD-4346-A454-3CE4536490A4}"/>
+              </a:ext>
+            </a:extLst>
+          </p:cNvPr>
+          <p:cNvSpPr/>
+          <p:nvPr/>
+        </p:nvSpPr>
+        <p:spPr>
+          <a:xfrm>
+            <a:off x="7093436" y="4923093"/>
+            <a:ext cx="1514168" cy="1218688"/>
+          </a:xfrm>
+          <a:prstGeom prst="rect">
+            <a:avLst/>
+          </a:prstGeom>
+          <a:blipFill dpi="0" rotWithShape="1">
+            <a:blip r:embed="rId5">
+              <a:extLst>
+                <a:ext uri="{28A0092B-C50C-407E-A947-70E740481C1C}">
+                  <a14:useLocalDpi xmlns:a14="http://schemas.microsoft.com/office/drawing/2010/main" val="0"/>
+                </a:ext>
+              </a:extLst>
+            </a:blip>
+            <a:srcRect/>
+            <a:stretch>
+              <a:fillRect/>
+            </a:stretch>
+          </a:blipFill>
+        </p:spPr>
+        <p:style>
+          <a:lnRef idx="2">
+            <a:schemeClr val="dk1"/>
+          </a:lnRef>
+          <a:fillRef idx="1">
+            <a:schemeClr val="lt1"/>
+          </a:fillRef>
+          <a:effectRef idx="0">
+            <a:schemeClr val="dk1"/>
+          </a:effectRef>
+          <a:fontRef idx="minor">
+            <a:schemeClr val="dk1"/>
+          </a:fontRef>
+        </p:style>
+        <p:txBody>
+          <a:bodyPr rtlCol="0" anchor="ctr"/>
+          <a:lstStyle/>
+          <a:p>
+            <a:pPr algn="ctr"/>
+            <a:endParaRPr lang="en-US"/>
+          </a:p>
+        </p:txBody>
+      </p:sp>
+      <p:cxnSp>
+        <p:nvCxnSpPr>
+          <p:cNvPr id="12" name="Straight Arrow Connector 11">
+            <a:extLst>
+              <a:ext uri="{FF2B5EF4-FFF2-40B4-BE49-F238E27FC236}">
+                <a16:creationId xmlns:a16="http://schemas.microsoft.com/office/drawing/2014/main" id="{07A5C637-0D51-4B23-98B3-B4383DACDF61}"/>
+              </a:ext>
+            </a:extLst>
+          </p:cNvPr>
+          <p:cNvCxnSpPr>
+            <a:cxnSpLocks/>
+          </p:cNvCxnSpPr>
+          <p:nvPr/>
+        </p:nvCxnSpPr>
+        <p:spPr>
+          <a:xfrm>
+            <a:off x="7845066" y="1971894"/>
+            <a:ext cx="0" cy="467903"/>
+          </a:xfrm>
+          <a:prstGeom prst="straightConnector1">
+            <a:avLst/>
+          </a:prstGeom>
+          <a:ln>
+            <a:tailEnd type="triangle"/>
+          </a:ln>
+        </p:spPr>
+        <p:style>
+          <a:lnRef idx="2">
+            <a:schemeClr val="dk1"/>
+          </a:lnRef>
+          <a:fillRef idx="0">
+            <a:schemeClr val="dk1"/>
+          </a:fillRef>
+          <a:effectRef idx="1">
+            <a:schemeClr val="dk1"/>
+          </a:effectRef>
+          <a:fontRef idx="minor">
+            <a:schemeClr val="tx1"/>
+          </a:fontRef>
+        </p:style>
+      </p:cxnSp>
+      <p:sp>
+        <p:nvSpPr>
+          <p:cNvPr id="14" name="TextBox 13">
+            <a:extLst>
+              <a:ext uri="{FF2B5EF4-FFF2-40B4-BE49-F238E27FC236}">
+                <a16:creationId xmlns:a16="http://schemas.microsoft.com/office/drawing/2014/main" id="{A3E95149-29FE-442D-8757-2BBDA58DDE7B}"/>
+              </a:ext>
+            </a:extLst>
+          </p:cNvPr>
+          <p:cNvSpPr txBox="1"/>
+          <p:nvPr/>
+        </p:nvSpPr>
+        <p:spPr>
+          <a:xfrm>
+            <a:off x="7199978" y="1325563"/>
+            <a:ext cx="1426752" cy="646331"/>
+          </a:xfrm>
+          <a:prstGeom prst="rect">
+            <a:avLst/>
+          </a:prstGeom>
+          <a:noFill/>
+        </p:spPr>
+        <p:txBody>
+          <a:bodyPr wrap="square" rtlCol="0">
+            <a:spAutoFit/>
+          </a:bodyPr>
+          <a:lstStyle/>
+          <a:p>
+            <a:r>
+              <a:rPr lang="tr-TR" dirty="0" err="1">
+                <a:latin typeface="Century Gothic" panose="020B0502020202020204" pitchFamily="34" charset="0"/>
+              </a:rPr>
+              <a:t>Variables</a:t>
+            </a:r>
+            <a:r>
+              <a:rPr lang="tr-TR" dirty="0">
+                <a:latin typeface="Century Gothic" panose="020B0502020202020204" pitchFamily="34" charset="0"/>
+              </a:rPr>
+              <a:t>, </a:t>
+            </a:r>
+            <a:r>
+              <a:rPr lang="tr-TR" dirty="0" err="1">
+                <a:latin typeface="Century Gothic" panose="020B0502020202020204" pitchFamily="34" charset="0"/>
+              </a:rPr>
+              <a:t>Constraints</a:t>
+            </a:r>
+            <a:endParaRPr lang="en-US" dirty="0">
+              <a:latin typeface="Century Gothic" panose="020B0502020202020204" pitchFamily="34" charset="0"/>
+            </a:endParaRPr>
+          </a:p>
+        </p:txBody>
+      </p:sp>
+      <p:cxnSp>
+        <p:nvCxnSpPr>
+          <p:cNvPr id="16" name="Straight Arrow Connector 15">
+            <a:extLst>
+              <a:ext uri="{FF2B5EF4-FFF2-40B4-BE49-F238E27FC236}">
+                <a16:creationId xmlns:a16="http://schemas.microsoft.com/office/drawing/2014/main" id="{3BD3DB8E-C292-4EFD-8276-526A841EBF5F}"/>
+              </a:ext>
+            </a:extLst>
+          </p:cNvPr>
+          <p:cNvCxnSpPr>
+            <a:stCxn id="6" idx="2"/>
+            <a:endCxn id="8" idx="0"/>
+          </p:cNvCxnSpPr>
+          <p:nvPr/>
+        </p:nvCxnSpPr>
+        <p:spPr>
+          <a:xfrm>
+            <a:off x="7846142" y="3154801"/>
+            <a:ext cx="0" cy="673472"/>
+          </a:xfrm>
+          <a:prstGeom prst="straightConnector1">
+            <a:avLst/>
+          </a:prstGeom>
+          <a:ln>
+            <a:tailEnd type="triangle"/>
+          </a:ln>
+        </p:spPr>
+        <p:style>
+          <a:lnRef idx="2">
+            <a:schemeClr val="dk1"/>
+          </a:lnRef>
+          <a:fillRef idx="0">
+            <a:schemeClr val="dk1"/>
+          </a:fillRef>
+          <a:effectRef idx="1">
+            <a:schemeClr val="dk1"/>
+          </a:effectRef>
+          <a:fontRef idx="minor">
+            <a:schemeClr val="tx1"/>
+          </a:fontRef>
+        </p:style>
+      </p:cxnSp>
+      <p:sp>
+        <p:nvSpPr>
+          <p:cNvPr id="18" name="TextBox 17">
+            <a:extLst>
+              <a:ext uri="{FF2B5EF4-FFF2-40B4-BE49-F238E27FC236}">
+                <a16:creationId xmlns:a16="http://schemas.microsoft.com/office/drawing/2014/main" id="{0AC4C114-ED14-4B35-9326-9E8516DA6CCD}"/>
+              </a:ext>
+            </a:extLst>
+          </p:cNvPr>
+          <p:cNvSpPr txBox="1"/>
+          <p:nvPr/>
+        </p:nvSpPr>
+        <p:spPr>
+          <a:xfrm>
+            <a:off x="7846142" y="3286280"/>
+            <a:ext cx="1426752" cy="369332"/>
+          </a:xfrm>
+          <a:prstGeom prst="rect">
+            <a:avLst/>
+          </a:prstGeom>
+          <a:noFill/>
+        </p:spPr>
+        <p:txBody>
+          <a:bodyPr wrap="square" rtlCol="0">
+            <a:spAutoFit/>
+          </a:bodyPr>
+          <a:lstStyle/>
+          <a:p>
+            <a:r>
+              <a:rPr lang="tr-TR" dirty="0" err="1">
+                <a:latin typeface="Century Gothic" panose="020B0502020202020204" pitchFamily="34" charset="0"/>
+              </a:rPr>
+              <a:t>Individual</a:t>
+            </a:r>
+            <a:endParaRPr lang="en-US" dirty="0">
+              <a:latin typeface="Century Gothic" panose="020B0502020202020204" pitchFamily="34" charset="0"/>
+            </a:endParaRPr>
+          </a:p>
+        </p:txBody>
+      </p:sp>
+      <p:cxnSp>
+        <p:nvCxnSpPr>
+          <p:cNvPr id="20" name="Straight Arrow Connector 19">
+            <a:extLst>
+              <a:ext uri="{FF2B5EF4-FFF2-40B4-BE49-F238E27FC236}">
+                <a16:creationId xmlns:a16="http://schemas.microsoft.com/office/drawing/2014/main" id="{AA429178-CC76-4E91-9BB9-3448BBA54C7A}"/>
+              </a:ext>
+            </a:extLst>
+          </p:cNvPr>
+          <p:cNvCxnSpPr>
+            <a:stCxn id="8" idx="2"/>
+            <a:endCxn id="10" idx="0"/>
+          </p:cNvCxnSpPr>
+          <p:nvPr/>
+        </p:nvCxnSpPr>
+        <p:spPr>
+          <a:xfrm>
+            <a:off x="7846142" y="4489363"/>
+            <a:ext cx="4378" cy="433730"/>
+          </a:xfrm>
+          <a:prstGeom prst="straightConnector1">
+            <a:avLst/>
+          </a:prstGeom>
+          <a:ln>
+            <a:tailEnd type="triangle"/>
+          </a:ln>
+        </p:spPr>
+        <p:style>
+          <a:lnRef idx="2">
+            <a:schemeClr val="dk1"/>
+          </a:lnRef>
+          <a:fillRef idx="0">
+            <a:schemeClr val="dk1"/>
+          </a:fillRef>
+          <a:effectRef idx="1">
+            <a:schemeClr val="dk1"/>
+          </a:effectRef>
+          <a:fontRef idx="minor">
+            <a:schemeClr val="tx1"/>
+          </a:fontRef>
+        </p:style>
+      </p:cxnSp>
+      <p:sp>
+        <p:nvSpPr>
+          <p:cNvPr id="22" name="TextBox 21">
+            <a:extLst>
+              <a:ext uri="{FF2B5EF4-FFF2-40B4-BE49-F238E27FC236}">
+                <a16:creationId xmlns:a16="http://schemas.microsoft.com/office/drawing/2014/main" id="{B56262E5-8B55-44D9-9FF3-5ED7A6406982}"/>
+              </a:ext>
+            </a:extLst>
+          </p:cNvPr>
+          <p:cNvSpPr txBox="1"/>
+          <p:nvPr/>
+        </p:nvSpPr>
+        <p:spPr>
+          <a:xfrm>
+            <a:off x="7889850" y="4509119"/>
+            <a:ext cx="1426752" cy="369332"/>
+          </a:xfrm>
+          <a:prstGeom prst="rect">
+            <a:avLst/>
+          </a:prstGeom>
+          <a:noFill/>
+        </p:spPr>
+        <p:txBody>
+          <a:bodyPr wrap="square" rtlCol="0">
+            <a:spAutoFit/>
+          </a:bodyPr>
+          <a:lstStyle/>
+          <a:p>
+            <a:r>
+              <a:rPr lang="tr-TR" dirty="0" err="1">
+                <a:latin typeface="Century Gothic" panose="020B0502020202020204" pitchFamily="34" charset="0"/>
+              </a:rPr>
+              <a:t>Simulation</a:t>
+            </a:r>
+            <a:endParaRPr lang="en-US" dirty="0">
+              <a:latin typeface="Century Gothic" panose="020B0502020202020204" pitchFamily="34" charset="0"/>
+            </a:endParaRPr>
+          </a:p>
+        </p:txBody>
+      </p:sp>
+      <p:cxnSp>
+        <p:nvCxnSpPr>
+          <p:cNvPr id="26" name="Connector: Elbow 25">
+            <a:extLst>
+              <a:ext uri="{FF2B5EF4-FFF2-40B4-BE49-F238E27FC236}">
+                <a16:creationId xmlns:a16="http://schemas.microsoft.com/office/drawing/2014/main" id="{3545E538-8A0E-4E67-BCEE-B280ADBE48B5}"/>
+              </a:ext>
+            </a:extLst>
+          </p:cNvPr>
+          <p:cNvCxnSpPr>
+            <a:stCxn id="10" idx="1"/>
+            <a:endCxn id="6" idx="1"/>
+          </p:cNvCxnSpPr>
+          <p:nvPr/>
+        </p:nvCxnSpPr>
+        <p:spPr>
+          <a:xfrm rot="10800000">
+            <a:off x="7030066" y="2794579"/>
+            <a:ext cx="63371" cy="2737859"/>
+          </a:xfrm>
+          <a:prstGeom prst="bentConnector3">
+            <a:avLst>
+              <a:gd name="adj1" fmla="val 600372"/>
+            </a:avLst>
+          </a:prstGeom>
+          <a:ln>
+            <a:tailEnd type="triangle"/>
+          </a:ln>
+        </p:spPr>
+        <p:style>
+          <a:lnRef idx="2">
+            <a:schemeClr val="dk1"/>
+          </a:lnRef>
+          <a:fillRef idx="0">
+            <a:schemeClr val="dk1"/>
+          </a:fillRef>
+          <a:effectRef idx="1">
+            <a:schemeClr val="dk1"/>
+          </a:effectRef>
+          <a:fontRef idx="minor">
+            <a:schemeClr val="tx1"/>
+          </a:fontRef>
+        </p:style>
+      </p:cxnSp>
+      <p:sp>
+        <p:nvSpPr>
+          <p:cNvPr id="29" name="TextBox 28">
+            <a:extLst>
+              <a:ext uri="{FF2B5EF4-FFF2-40B4-BE49-F238E27FC236}">
+                <a16:creationId xmlns:a16="http://schemas.microsoft.com/office/drawing/2014/main" id="{B7298014-436E-43BA-8E36-D0E452E122DA}"/>
+              </a:ext>
+            </a:extLst>
+          </p:cNvPr>
+          <p:cNvSpPr txBox="1"/>
+          <p:nvPr/>
+        </p:nvSpPr>
+        <p:spPr>
+          <a:xfrm>
+            <a:off x="5743731" y="3739634"/>
+            <a:ext cx="1426752" cy="369332"/>
+          </a:xfrm>
+          <a:prstGeom prst="rect">
+            <a:avLst/>
+          </a:prstGeom>
+          <a:noFill/>
+        </p:spPr>
+        <p:txBody>
+          <a:bodyPr wrap="square" rtlCol="0">
+            <a:spAutoFit/>
+          </a:bodyPr>
+          <a:lstStyle/>
+          <a:p>
+            <a:r>
+              <a:rPr lang="tr-TR" dirty="0" err="1">
+                <a:latin typeface="Century Gothic" panose="020B0502020202020204" pitchFamily="34" charset="0"/>
+              </a:rPr>
+              <a:t>Results</a:t>
+            </a:r>
+            <a:endParaRPr lang="en-US" dirty="0">
+              <a:latin typeface="Century Gothic" panose="020B0502020202020204" pitchFamily="34" charset="0"/>
+            </a:endParaRPr>
+          </a:p>
+        </p:txBody>
+      </p:sp>
+    </p:spTree>
+    <p:extLst>
+      <p:ext uri="{BB962C8B-B14F-4D97-AF65-F5344CB8AC3E}">
+        <p14:creationId xmlns:p14="http://schemas.microsoft.com/office/powerpoint/2010/main" val="4195738574"/>
+      </p:ext>
+    </p:extLst>
+  </p:cSld>
+  <p:clrMapOvr>
+    <a:masterClrMapping/>
+  </p:clrMapOvr>
+</p:sld>
+</file>
+
+<file path=ppt/slides/slide5.xml><?xml version="1.0" encoding="utf-8"?>
+<p:sld xmlns:a="http://schemas.openxmlformats.org/drawingml/2006/main" xmlns:r="http://schemas.openxmlformats.org/officeDocument/2006/relationships" xmlns:p="http://schemas.openxmlformats.org/presentationml/2006/main">
+  <p:cSld>
+    <p:spTree>
+      <p:nvGrpSpPr>
+        <p:cNvPr id="1" name=""/>
+        <p:cNvGrpSpPr/>
+        <p:nvPr/>
+      </p:nvGrpSpPr>
+      <p:grpSpPr>
+        <a:xfrm>
+          <a:off x="0" y="0"/>
+          <a:ext cx="0" cy="0"/>
+          <a:chOff x="0" y="0"/>
+          <a:chExt cx="0" cy="0"/>
+        </a:xfrm>
+      </p:grpSpPr>
+      <p:sp>
+        <p:nvSpPr>
+          <p:cNvPr id="2" name="Title 1">
+            <a:extLst>
+              <a:ext uri="{FF2B5EF4-FFF2-40B4-BE49-F238E27FC236}">
+                <a16:creationId xmlns:a16="http://schemas.microsoft.com/office/drawing/2014/main" id="{405F3D18-DA0F-4CC9-8273-B7F17A62BA83}"/>
+              </a:ext>
+            </a:extLst>
+          </p:cNvPr>
+          <p:cNvSpPr>
+            <a:spLocks noGrp="1"/>
+          </p:cNvSpPr>
+          <p:nvPr>
+            <p:ph type="title"/>
+          </p:nvPr>
+        </p:nvSpPr>
+        <p:spPr/>
+        <p:txBody>
+          <a:bodyPr/>
+          <a:lstStyle/>
+          <a:p>
+            <a:r>
+              <a:rPr lang="tr-TR" dirty="0" err="1"/>
+              <a:t>Optimization</a:t>
+            </a:r>
+            <a:r>
+              <a:rPr lang="tr-TR" dirty="0"/>
+              <a:t> </a:t>
+            </a:r>
+            <a:r>
+              <a:rPr lang="tr-TR" dirty="0" err="1"/>
+              <a:t>Algorithm</a:t>
+            </a:r>
+            <a:endParaRPr lang="en-US" dirty="0"/>
+          </a:p>
+        </p:txBody>
+      </p:sp>
+      <p:sp>
+        <p:nvSpPr>
+          <p:cNvPr id="3" name="Content Placeholder 2">
+            <a:extLst>
+              <a:ext uri="{FF2B5EF4-FFF2-40B4-BE49-F238E27FC236}">
+                <a16:creationId xmlns:a16="http://schemas.microsoft.com/office/drawing/2014/main" id="{1D5D2B95-922E-4D09-86EA-958AE79A74BD}"/>
+              </a:ext>
+            </a:extLst>
+          </p:cNvPr>
+          <p:cNvSpPr>
+            <a:spLocks noGrp="1"/>
+          </p:cNvSpPr>
+          <p:nvPr>
+            <p:ph idx="1"/>
+          </p:nvPr>
+        </p:nvSpPr>
+        <p:spPr/>
+        <p:txBody>
+          <a:bodyPr/>
+          <a:lstStyle/>
+          <a:p>
+            <a:pPr marL="342900" indent="-342900">
+              <a:buFont typeface="Wingdings" panose="05000000000000000000" pitchFamily="2" charset="2"/>
+              <a:buChar char="Ø"/>
+            </a:pPr>
+            <a:endParaRPr lang="tr-TR" dirty="0"/>
+          </a:p>
+          <a:p>
+            <a:pPr marL="342900" indent="-342900">
+              <a:buFont typeface="Wingdings" panose="05000000000000000000" pitchFamily="2" charset="2"/>
+              <a:buChar char="Ø"/>
+            </a:pPr>
+            <a:r>
+              <a:rPr lang="tr-TR" dirty="0" err="1"/>
+              <a:t>Non-dominated</a:t>
+            </a:r>
+            <a:r>
+              <a:rPr lang="tr-TR" dirty="0"/>
+              <a:t> </a:t>
+            </a:r>
+            <a:r>
+              <a:rPr lang="tr-TR" dirty="0" err="1"/>
+              <a:t>Sorting</a:t>
+            </a:r>
+            <a:r>
+              <a:rPr lang="tr-TR" dirty="0"/>
+              <a:t> </a:t>
+            </a:r>
+            <a:r>
+              <a:rPr lang="tr-TR" dirty="0" err="1"/>
+              <a:t>Genetic</a:t>
+            </a:r>
+            <a:r>
+              <a:rPr lang="tr-TR" dirty="0"/>
+              <a:t> </a:t>
+            </a:r>
+            <a:r>
+              <a:rPr lang="tr-TR" dirty="0" err="1"/>
+              <a:t>Algorithm</a:t>
+            </a:r>
+            <a:r>
+              <a:rPr lang="tr-TR" dirty="0"/>
+              <a:t> – II is </a:t>
+            </a:r>
+            <a:r>
+              <a:rPr lang="tr-TR" dirty="0" err="1"/>
+              <a:t>used</a:t>
+            </a:r>
+            <a:endParaRPr lang="tr-TR" dirty="0"/>
+          </a:p>
+          <a:p>
+            <a:pPr marL="342900" indent="-342900">
+              <a:buFont typeface="Wingdings" panose="05000000000000000000" pitchFamily="2" charset="2"/>
+              <a:buChar char="Ø"/>
+            </a:pPr>
+            <a:endParaRPr lang="en-US" dirty="0"/>
+          </a:p>
+        </p:txBody>
+      </p:sp>
+      <p:sp>
+        <p:nvSpPr>
+          <p:cNvPr id="4" name="Slide Number Placeholder 3">
+            <a:extLst>
+              <a:ext uri="{FF2B5EF4-FFF2-40B4-BE49-F238E27FC236}">
+                <a16:creationId xmlns:a16="http://schemas.microsoft.com/office/drawing/2014/main" id="{01B2D30D-7493-48E9-813A-2F2647AA6D3D}"/>
+              </a:ext>
+            </a:extLst>
+          </p:cNvPr>
+          <p:cNvSpPr>
+            <a:spLocks noGrp="1"/>
+          </p:cNvSpPr>
+          <p:nvPr>
+            <p:ph type="sldNum" sz="quarter" idx="12"/>
+          </p:nvPr>
+        </p:nvSpPr>
+        <p:spPr/>
+        <p:txBody>
+          <a:bodyPr/>
+          <a:lstStyle/>
+          <a:p>
+            <a:pPr>
+              <a:defRPr/>
+            </a:pPr>
+            <a:fld id="{C878F797-6006-4DDA-AFE9-456F280FE6C5}" type="slidenum">
+              <a:rPr lang="en-US" smtClean="0"/>
+              <a:pPr>
+                <a:defRPr/>
+              </a:pPr>
+              <a:t>5</a:t>
+            </a:fld>
+            <a:endParaRPr lang="en-US" dirty="0"/>
+          </a:p>
+        </p:txBody>
+      </p:sp>
+      <p:sp>
+        <p:nvSpPr>
+          <p:cNvPr id="5" name="Date Placeholder 4">
+            <a:extLst>
+              <a:ext uri="{FF2B5EF4-FFF2-40B4-BE49-F238E27FC236}">
+                <a16:creationId xmlns:a16="http://schemas.microsoft.com/office/drawing/2014/main" id="{07D4737E-7F42-43D4-AB73-155B2F083F07}"/>
+              </a:ext>
+            </a:extLst>
+          </p:cNvPr>
+          <p:cNvSpPr>
+            <a:spLocks noGrp="1"/>
+          </p:cNvSpPr>
+          <p:nvPr>
+            <p:ph type="dt" sz="half" idx="2"/>
+          </p:nvPr>
+        </p:nvSpPr>
+        <p:spPr/>
+        <p:txBody>
+          <a:bodyPr/>
+          <a:lstStyle/>
+          <a:p>
+            <a:pPr>
+              <a:defRPr/>
+            </a:pPr>
+            <a:r>
+              <a:rPr lang="tr-TR"/>
+              <a:t>METU Electrical &amp; Electronics Engineering Department</a:t>
+            </a:r>
+            <a:endParaRPr lang="en-US" dirty="0"/>
+          </a:p>
+        </p:txBody>
+      </p:sp>
+    </p:spTree>
+    <p:extLst>
+      <p:ext uri="{BB962C8B-B14F-4D97-AF65-F5344CB8AC3E}">
+        <p14:creationId xmlns:p14="http://schemas.microsoft.com/office/powerpoint/2010/main" val="205605142"/>
+      </p:ext>
+    </p:extLst>
+  </p:cSld>
+  <p:clrMapOvr>
+    <a:masterClrMapping/>
+  </p:clrMapOvr>
+</p:sld>
+</file>
+
+<file path=ppt/slides/slide6.xml><?xml version="1.0" encoding="utf-8"?>
 <p:sld xmlns:a="http://schemas.openxmlformats.org/drawingml/2006/main" xmlns:r="http://schemas.openxmlformats.org/officeDocument/2006/relationships" xmlns:p="http://schemas.openxmlformats.org/presentationml/2006/main">
   <p:cSld>
     <p:spTree>
@@ -5073,7 +6283,7 @@
               <a:pPr>
                 <a:defRPr/>
               </a:pPr>
-              <a:t>4</a:t>
+              <a:t>6</a:t>
             </a:fld>
             <a:endParaRPr lang="en-US" dirty="0"/>
           </a:p>
@@ -5312,7 +6522,7 @@
 </p:sld>
 </file>
 
-<file path=ppt/slides/slide5.xml><?xml version="1.0" encoding="utf-8"?>
+<file path=ppt/slides/slide7.xml><?xml version="1.0" encoding="utf-8"?>
 <p:sld xmlns:a="http://schemas.openxmlformats.org/drawingml/2006/main" xmlns:r="http://schemas.openxmlformats.org/officeDocument/2006/relationships" xmlns:p="http://schemas.openxmlformats.org/presentationml/2006/main">
   <p:cSld>
     <p:spTree>
@@ -5528,7 +6738,7 @@
               <a:pPr>
                 <a:defRPr/>
               </a:pPr>
-              <a:t>5</a:t>
+              <a:t>7</a:t>
             </a:fld>
             <a:endParaRPr lang="en-US" dirty="0"/>
           </a:p>
@@ -6205,7 +7415,7 @@
 </p:sld>
 </file>
 
-<file path=ppt/slides/slide6.xml><?xml version="1.0" encoding="utf-8"?>
+<file path=ppt/slides/slide8.xml><?xml version="1.0" encoding="utf-8"?>
 <p:sld xmlns:a="http://schemas.openxmlformats.org/drawingml/2006/main" xmlns:r="http://schemas.openxmlformats.org/officeDocument/2006/relationships" xmlns:p="http://schemas.openxmlformats.org/presentationml/2006/main">
   <p:cSld>
     <p:spTree>
